--- a/Presentation.pptx
+++ b/Presentation.pptx
@@ -163,7 +163,7 @@
       </p15:sldGuideLst>
     </p:ext>
     <p:ext uri="GoogleSlidesCustomDataVersion2">
-      <go:slidesCustomData xmlns:go="http://customooxmlschemas.google.com/" xmlns:ahyp="http://schemas.microsoft.com/office/drawing/2018/hyperlinkcolor" xmlns:p15="http://schemas.microsoft.com/office/powerpoint/2012/main" xmlns:p14="http://schemas.microsoft.com/office/powerpoint/2010/main" xmlns:com="http://schemas.openxmlformats.org/drawingml/2006/compatibility" xmlns:pvml="urn:schemas-microsoft-com:office:powerpoint" xmlns:v="urn:schemas-microsoft-com:vml" xmlns:o="urn:schemas-microsoft-com:office:office" xmlns:dgm="http://schemas.openxmlformats.org/drawingml/2006/diagram" xmlns:c="http://schemas.openxmlformats.org/drawingml/2006/chart" xmlns:mv="urn:schemas-microsoft-com:mac:vml" xmlns:mc="http://schemas.openxmlformats.org/markup-compatibility/2006" xmlns="" r:id="rId53" roundtripDataSignature="AMtx7mjUjOVFbB3ivgrHgZapI0OTPTA4+g=="/>
+      <go:slidesCustomData xmlns="" xmlns:mc="http://schemas.openxmlformats.org/markup-compatibility/2006" xmlns:mv="urn:schemas-microsoft-com:mac:vml" xmlns:c="http://schemas.openxmlformats.org/drawingml/2006/chart" xmlns:dgm="http://schemas.openxmlformats.org/drawingml/2006/diagram" xmlns:o="urn:schemas-microsoft-com:office:office" xmlns:v="urn:schemas-microsoft-com:vml" xmlns:pvml="urn:schemas-microsoft-com:office:powerpoint" xmlns:com="http://schemas.openxmlformats.org/drawingml/2006/compatibility" xmlns:p14="http://schemas.microsoft.com/office/powerpoint/2010/main" xmlns:p15="http://schemas.microsoft.com/office/powerpoint/2012/main" xmlns:ahyp="http://schemas.microsoft.com/office/drawing/2018/hyperlinkcolor" xmlns:go="http://customooxmlschemas.google.com/" r:id="rId53" roundtripDataSignature="AMtx7mjUjOVFbB3ivgrHgZapI0OTPTA4+g=="/>
     </p:ext>
   </p:extLst>
 </p:presentation>
@@ -11954,23 +11954,36 @@
                 <a:cs typeface="Times New Roman"/>
                 <a:sym typeface="Times New Roman"/>
               </a:rPr>
-              <a:t>Project details location: </a:t>
-            </a:r>
-            <a:r>
-              <a:rPr lang="en-US" u="sng" dirty="0">
-                <a:solidFill>
-                  <a:schemeClr val="hlink"/>
+              <a:t>Project details location</a:t>
+            </a:r>
+            <a:r>
+              <a:rPr lang="en-US" sz="2357">
+                <a:solidFill>
+                  <a:schemeClr val="lt1"/>
                 </a:solidFill>
                 <a:latin typeface="Times New Roman"/>
                 <a:ea typeface="Times New Roman"/>
                 <a:cs typeface="Times New Roman"/>
                 <a:sym typeface="Times New Roman"/>
               </a:rPr>
-              <a:t>https://github.com/amannegi11/EzShop</a:t>
-            </a:r>
-            <a:endParaRPr dirty="0">
+              <a:t>: </a:t>
+            </a:r>
+            <a:r>
+              <a:rPr lang="en-US" u="sng">
+                <a:solidFill>
+                  <a:schemeClr val="hlink"/>
+                </a:solidFill>
+                <a:latin typeface="Times New Roman"/>
+                <a:ea typeface="Times New Roman"/>
+                <a:cs typeface="Times New Roman"/>
+                <a:sym typeface="Times New Roman"/>
+                <a:hlinkClick r:id="rId3"/>
+              </a:rPr>
+              <a:t>https://github.com/amannegi11/E-commerce-application-clone</a:t>
+            </a:r>
+            <a:endParaRPr lang="en-US" u="sng">
               <a:solidFill>
-                <a:schemeClr val="lt1"/>
+                <a:schemeClr val="hlink"/>
               </a:solidFill>
               <a:latin typeface="Times New Roman"/>
               <a:ea typeface="Times New Roman"/>
@@ -11993,7 +12006,7 @@
               <a:buNone/>
             </a:pPr>
             <a:r>
-              <a:rPr lang="en-US" sz="2275" dirty="0">
+              <a:rPr lang="en-US" sz="2275">
                 <a:solidFill>
                   <a:schemeClr val="lt1"/>
                 </a:solidFill>
@@ -12002,7 +12015,19 @@
                 <a:cs typeface="Times New Roman"/>
                 <a:sym typeface="Times New Roman"/>
               </a:rPr>
-              <a:t>Mail: </a:t>
+              <a:t>Mail</a:t>
+            </a:r>
+            <a:r>
+              <a:rPr lang="en-US" sz="2275" dirty="0">
+                <a:solidFill>
+                  <a:schemeClr val="lt1"/>
+                </a:solidFill>
+                <a:latin typeface="Times New Roman"/>
+                <a:ea typeface="Times New Roman"/>
+                <a:cs typeface="Times New Roman"/>
+                <a:sym typeface="Times New Roman"/>
+              </a:rPr>
+              <a:t>: </a:t>
             </a:r>
             <a:r>
               <a:rPr lang="en-US" sz="2275" u="sng" dirty="0">
@@ -12025,7 +12050,7 @@
                 <a:ea typeface="Times New Roman"/>
                 <a:cs typeface="Times New Roman"/>
                 <a:sym typeface="Times New Roman"/>
-                <a:hlinkClick r:id="rId3"/>
+                <a:hlinkClick r:id="rId4"/>
               </a:rPr>
               <a:t>.com</a:t>
             </a:r>
